--- a/CA/DMA&IOP.pptx
+++ b/CA/DMA&IOP.pptx
@@ -15,6 +15,7 @@
     <p:sldId id="263" r:id="rId9"/>
     <p:sldId id="264" r:id="rId10"/>
     <p:sldId id="265" r:id="rId11"/>
+    <p:sldId id="266" r:id="rId12"/>
   </p:sldIdLst>
   <p:sldSz cx="12192000" cy="6858000"/>
   <p:notesSz cx="6858000" cy="9144000"/>
@@ -113,6 +114,11 @@
       </a:defRPr>
     </a:lvl9pPr>
   </p:defaultTextStyle>
+  <p:extLst>
+    <p:ext uri="{EFAFB233-063F-42B5-8137-9DF3F51BA10A}">
+      <p15:sldGuideLst xmlns:p15="http://schemas.microsoft.com/office/powerpoint/2012/main"/>
+    </p:ext>
+  </p:extLst>
 </p:presentation>
 </file>
 
@@ -8909,7 +8915,7 @@
           <a:p>
             <a:fld id="{59A5AE71-20C3-49DF-871D-5A1FD5B31659}" type="datetimeFigureOut">
               <a:rPr lang="en-US" smtClean="0"/>
-              <a:t>3/18/2025</a:t>
+              <a:t>3/23/2025</a:t>
             </a:fld>
             <a:endParaRPr lang="en-US" dirty="0"/>
           </a:p>
@@ -9116,7 +9122,7 @@
           <a:p>
             <a:fld id="{59A5AE71-20C3-49DF-871D-5A1FD5B31659}" type="datetimeFigureOut">
               <a:rPr lang="en-US" smtClean="0"/>
-              <a:t>3/18/2025</a:t>
+              <a:t>3/23/2025</a:t>
             </a:fld>
             <a:endParaRPr lang="en-US" dirty="0"/>
           </a:p>
@@ -9296,7 +9302,7 @@
           <a:p>
             <a:fld id="{59A5AE71-20C3-49DF-871D-5A1FD5B31659}" type="datetimeFigureOut">
               <a:rPr lang="en-US" smtClean="0"/>
-              <a:t>3/18/2025</a:t>
+              <a:t>3/23/2025</a:t>
             </a:fld>
             <a:endParaRPr lang="en-US" dirty="0"/>
           </a:p>
@@ -9501,7 +9507,7 @@
           <a:p>
             <a:fld id="{59A5AE71-20C3-49DF-871D-5A1FD5B31659}" type="datetimeFigureOut">
               <a:rPr lang="en-US" smtClean="0"/>
-              <a:t>3/18/2025</a:t>
+              <a:t>3/23/2025</a:t>
             </a:fld>
             <a:endParaRPr lang="en-US" dirty="0"/>
           </a:p>
@@ -18399,7 +18405,7 @@
           <a:p>
             <a:fld id="{59A5AE71-20C3-49DF-871D-5A1FD5B31659}" type="datetimeFigureOut">
               <a:rPr lang="en-US" smtClean="0"/>
-              <a:t>3/18/2025</a:t>
+              <a:t>3/23/2025</a:t>
             </a:fld>
             <a:endParaRPr lang="en-US" dirty="0"/>
           </a:p>
@@ -18673,7 +18679,7 @@
           <a:p>
             <a:fld id="{59A5AE71-20C3-49DF-871D-5A1FD5B31659}" type="datetimeFigureOut">
               <a:rPr lang="en-US" smtClean="0"/>
-              <a:t>3/18/2025</a:t>
+              <a:t>3/23/2025</a:t>
             </a:fld>
             <a:endParaRPr lang="en-US" dirty="0"/>
           </a:p>
@@ -19071,7 +19077,7 @@
           <a:p>
             <a:fld id="{59A5AE71-20C3-49DF-871D-5A1FD5B31659}" type="datetimeFigureOut">
               <a:rPr lang="en-US" smtClean="0"/>
-              <a:t>3/18/2025</a:t>
+              <a:t>3/23/2025</a:t>
             </a:fld>
             <a:endParaRPr lang="en-US" dirty="0"/>
           </a:p>
@@ -19189,7 +19195,7 @@
           <a:p>
             <a:fld id="{59A5AE71-20C3-49DF-871D-5A1FD5B31659}" type="datetimeFigureOut">
               <a:rPr lang="en-US" smtClean="0"/>
-              <a:t>3/18/2025</a:t>
+              <a:t>3/23/2025</a:t>
             </a:fld>
             <a:endParaRPr lang="en-US" dirty="0"/>
           </a:p>
@@ -19284,7 +19290,7 @@
           <a:p>
             <a:fld id="{59A5AE71-20C3-49DF-871D-5A1FD5B31659}" type="datetimeFigureOut">
               <a:rPr lang="en-US" smtClean="0"/>
-              <a:t>3/18/2025</a:t>
+              <a:t>3/23/2025</a:t>
             </a:fld>
             <a:endParaRPr lang="en-US" dirty="0"/>
           </a:p>
@@ -19574,7 +19580,7 @@
           <a:p>
             <a:fld id="{59A5AE71-20C3-49DF-871D-5A1FD5B31659}" type="datetimeFigureOut">
               <a:rPr lang="en-US" smtClean="0"/>
-              <a:t>3/18/2025</a:t>
+              <a:t>3/23/2025</a:t>
             </a:fld>
             <a:endParaRPr lang="en-US" dirty="0"/>
           </a:p>
@@ -19854,7 +19860,7 @@
           <a:p>
             <a:fld id="{59A5AE71-20C3-49DF-871D-5A1FD5B31659}" type="datetimeFigureOut">
               <a:rPr lang="en-US" smtClean="0"/>
-              <a:t>3/18/2025</a:t>
+              <a:t>3/23/2025</a:t>
             </a:fld>
             <a:endParaRPr lang="en-US" dirty="0"/>
           </a:p>
@@ -20104,7 +20110,7 @@
           <a:p>
             <a:fld id="{59A5AE71-20C3-49DF-871D-5A1FD5B31659}" type="datetimeFigureOut">
               <a:rPr lang="en-US" smtClean="0"/>
-              <a:t>3/18/2025</a:t>
+              <a:t>3/23/2025</a:t>
             </a:fld>
             <a:endParaRPr lang="en-US" dirty="0"/>
           </a:p>
@@ -20747,7 +20753,7 @@
           <p:nvPr>
             <p:extLst>
               <p:ext uri="{D42A27DB-BD31-4B8C-83A1-F6EECF244321}">
-                <p14:modId xmlns:p14="http://schemas.microsoft.com/office/powerpoint/2010/main" val="2139220691"/>
+                <p14:modId xmlns:p14="http://schemas.microsoft.com/office/powerpoint/2010/main" val="2153385477"/>
               </p:ext>
             </p:extLst>
           </p:nvPr>
@@ -20852,13 +20858,7 @@
                     <a:p>
                       <a:r>
                         <a:rPr lang="en-US" dirty="0"/>
-                        <a:t>Hardware mechanism allowing peripherals to access memory with</a:t>
-                      </a:r>
-                    </a:p>
-                    <a:p>
-                      <a:r>
-                        <a:rPr lang="en-US" dirty="0"/>
-                        <a:t>minimal CPU involvement</a:t>
+                        <a:t>Hardware mechanism allowing peripherals to access memory with minimal CPU involvement</a:t>
                       </a:r>
                     </a:p>
                   </a:txBody>
@@ -21075,6 +21075,70 @@
     <p:extLst>
       <p:ext uri="{BB962C8B-B14F-4D97-AF65-F5344CB8AC3E}">
         <p14:creationId xmlns:p14="http://schemas.microsoft.com/office/powerpoint/2010/main" val="708759884"/>
+      </p:ext>
+    </p:extLst>
+  </p:cSld>
+  <p:clrMapOvr>
+    <a:masterClrMapping/>
+  </p:clrMapOvr>
+</p:sld>
+</file>
+
+<file path=ppt/slides/slide11.xml><?xml version="1.0" encoding="utf-8"?>
+<p:sld xmlns:a="http://schemas.openxmlformats.org/drawingml/2006/main" xmlns:r="http://schemas.openxmlformats.org/officeDocument/2006/relationships" xmlns:p="http://schemas.openxmlformats.org/presentationml/2006/main">
+  <p:cSld>
+    <p:spTree>
+      <p:nvGrpSpPr>
+        <p:cNvPr id="1" name=""/>
+        <p:cNvGrpSpPr/>
+        <p:nvPr/>
+      </p:nvGrpSpPr>
+      <p:grpSpPr>
+        <a:xfrm>
+          <a:off x="0" y="0"/>
+          <a:ext cx="0" cy="0"/>
+          <a:chOff x="0" y="0"/>
+          <a:chExt cx="0" cy="0"/>
+        </a:xfrm>
+      </p:grpSpPr>
+      <p:sp>
+        <p:nvSpPr>
+          <p:cNvPr id="2" name="Title 1">
+            <a:extLst>
+              <a:ext uri="{FF2B5EF4-FFF2-40B4-BE49-F238E27FC236}">
+                <a16:creationId xmlns:a16="http://schemas.microsoft.com/office/drawing/2014/main" id="{392C55CC-461C-5520-783F-52C409C492B3}"/>
+              </a:ext>
+            </a:extLst>
+          </p:cNvPr>
+          <p:cNvSpPr>
+            <a:spLocks noGrp="1"/>
+          </p:cNvSpPr>
+          <p:nvPr>
+            <p:ph type="title"/>
+          </p:nvPr>
+        </p:nvSpPr>
+        <p:spPr>
+          <a:xfrm>
+            <a:off x="1024128" y="2679192"/>
+            <a:ext cx="9720072" cy="1499616"/>
+          </a:xfrm>
+        </p:spPr>
+        <p:txBody>
+          <a:bodyPr/>
+          <a:lstStyle/>
+          <a:p>
+            <a:pPr algn="ctr"/>
+            <a:r>
+              <a:rPr lang="en-GB" dirty="0"/>
+              <a:t>Thank you</a:t>
+            </a:r>
+          </a:p>
+        </p:txBody>
+      </p:sp>
+    </p:spTree>
+    <p:extLst>
+      <p:ext uri="{BB962C8B-B14F-4D97-AF65-F5344CB8AC3E}">
+        <p14:creationId xmlns:p14="http://schemas.microsoft.com/office/powerpoint/2010/main" val="3039989722"/>
       </p:ext>
     </p:extLst>
   </p:cSld>
